--- a/Semantic Operations Framework.pptx
+++ b/Semantic Operations Framework.pptx
@@ -8279,7 +8279,7 @@
           <a:p>
             <a:pPr algn="ctr"/>
             <a:r>
-              <a:rPr lang="en-GB" sz="2000" dirty="0" err="1" smtClean="0">
+              <a:rPr lang="en-GB" sz="2000" smtClean="0">
                 <a:solidFill>
                   <a:schemeClr val="bg1"/>
                 </a:solidFill>
@@ -8287,7 +8287,18 @@
                 <a:ea typeface="Verdana" pitchFamily="34" charset="0"/>
                 <a:cs typeface="Verdana" pitchFamily="34" charset="0"/>
               </a:rPr>
-              <a:t>Update_Address</a:t>
+              <a:t>Set_Name</a:t>
+            </a:r>
+            <a:r>
+              <a:rPr lang="en-GB" sz="2000" dirty="0" smtClean="0">
+                <a:solidFill>
+                  <a:schemeClr val="bg1"/>
+                </a:solidFill>
+                <a:latin typeface="Corbel" pitchFamily="34" charset="0"/>
+                <a:ea typeface="Verdana" pitchFamily="34" charset="0"/>
+                <a:cs typeface="Verdana" pitchFamily="34" charset="0"/>
+              </a:rPr>
+              <a:t> Operation</a:t>
             </a:r>
             <a:endParaRPr lang="en-GB" sz="2000" dirty="0" smtClean="0">
               <a:solidFill>
@@ -10512,16 +10523,16 @@
 <file path=customXml/itemProps1.xml><?xml version="1.0" encoding="utf-8"?>
 <ds:datastoreItem xmlns:ds="http://schemas.openxmlformats.org/officeDocument/2006/customXml" ds:itemID="{82784505-B6AE-42FB-A8A3-841C6312BFF2}">
   <ds:schemaRefs>
-    <ds:schemaRef ds:uri="http://schemas.microsoft.com/office/2006/metadata/properties"/>
+    <ds:schemaRef ds:uri="http://purl.org/dc/dcmitype/"/>
     <ds:schemaRef ds:uri="http://purl.org/dc/elements/1.1/"/>
     <ds:schemaRef ds:uri="http://schemas.microsoft.com/office/2006/documentManagement/types"/>
+    <ds:schemaRef ds:uri="http://schemas.microsoft.com/office/2006/metadata/properties"/>
+    <ds:schemaRef ds:uri="http://www.w3.org/XML/1998/namespace"/>
     <ds:schemaRef ds:uri="http://schemas.openxmlformats.org/package/2006/metadata/core-properties"/>
-    <ds:schemaRef ds:uri="http://www.w3.org/XML/1998/namespace"/>
     <ds:schemaRef ds:uri="http://purl.org/dc/terms/"/>
     <ds:schemaRef ds:uri="http://schemas.microsoft.com/office/infopath/2007/PartnerControls"/>
     <ds:schemaRef ds:uri="cd7095a3-97f1-4663-a71f-a762e9d8a5de"/>
     <ds:schemaRef ds:uri="http://schemas.microsoft.com/sharepoint/v3"/>
-    <ds:schemaRef ds:uri="http://purl.org/dc/dcmitype/"/>
   </ds:schemaRefs>
 </ds:datastoreItem>
 </file>
